--- a/PCAs.pptx
+++ b/PCAs.pptx
@@ -5,14 +5,23 @@
     <p:sldMasterId id="2147483648" r:id="rId1"/>
   </p:sldMasterIdLst>
   <p:sldIdLst>
-    <p:sldId id="256" r:id="rId2"/>
-    <p:sldId id="263" r:id="rId3"/>
-    <p:sldId id="257" r:id="rId4"/>
-    <p:sldId id="258" r:id="rId5"/>
-    <p:sldId id="259" r:id="rId6"/>
-    <p:sldId id="260" r:id="rId7"/>
-    <p:sldId id="261" r:id="rId8"/>
-    <p:sldId id="262" r:id="rId9"/>
+    <p:sldId id="266" r:id="rId2"/>
+    <p:sldId id="267" r:id="rId3"/>
+    <p:sldId id="268" r:id="rId4"/>
+    <p:sldId id="269" r:id="rId5"/>
+    <p:sldId id="270" r:id="rId6"/>
+    <p:sldId id="271" r:id="rId7"/>
+    <p:sldId id="272" r:id="rId8"/>
+    <p:sldId id="274" r:id="rId9"/>
+    <p:sldId id="275" r:id="rId10"/>
+    <p:sldId id="256" r:id="rId11"/>
+    <p:sldId id="263" r:id="rId12"/>
+    <p:sldId id="257" r:id="rId13"/>
+    <p:sldId id="258" r:id="rId14"/>
+    <p:sldId id="259" r:id="rId15"/>
+    <p:sldId id="260" r:id="rId16"/>
+    <p:sldId id="261" r:id="rId17"/>
+    <p:sldId id="262" r:id="rId18"/>
   </p:sldIdLst>
   <p:sldSz cx="9144000" cy="6858000" type="screen4x3"/>
   <p:notesSz cx="6858000" cy="9144000"/>
@@ -3104,6 +3113,164 @@
       </p:grpSpPr>
       <p:pic>
         <p:nvPicPr>
+          <p:cNvPr id="2050" name="Picture 2"/>
+          <p:cNvPicPr>
+            <a:picLocks noChangeAspect="1" noChangeArrowheads="1"/>
+          </p:cNvPicPr>
+          <p:nvPr/>
+        </p:nvPicPr>
+        <p:blipFill>
+          <a:blip r:embed="rId2">
+            <a:extLst>
+              <a:ext uri="{28A0092B-C50C-407E-A947-70E740481C1C}">
+                <a14:useLocalDpi xmlns:a14="http://schemas.microsoft.com/office/drawing/2010/main" val="0"/>
+              </a:ext>
+            </a:extLst>
+          </a:blip>
+          <a:srcRect/>
+          <a:stretch>
+            <a:fillRect/>
+          </a:stretch>
+        </p:blipFill>
+        <p:spPr bwMode="auto">
+          <a:xfrm>
+            <a:off x="0" y="2057945"/>
+            <a:ext cx="3657600" cy="2742110"/>
+          </a:xfrm>
+          <a:prstGeom prst="rect">
+            <a:avLst/>
+          </a:prstGeom>
+          <a:noFill/>
+          <a:ln>
+            <a:noFill/>
+          </a:ln>
+          <a:effectLst/>
+          <a:extLst>
+            <a:ext uri="{909E8E84-426E-40DD-AFC4-6F175D3DCCD1}">
+              <a14:hiddenFill xmlns:a14="http://schemas.microsoft.com/office/drawing/2010/main">
+                <a:solidFill>
+                  <a:schemeClr val="accent1"/>
+                </a:solidFill>
+              </a14:hiddenFill>
+            </a:ext>
+            <a:ext uri="{91240B29-F687-4F45-9708-019B960494DF}">
+              <a14:hiddenLine xmlns:a14="http://schemas.microsoft.com/office/drawing/2010/main" w="9525">
+                <a:solidFill>
+                  <a:schemeClr val="tx1"/>
+                </a:solidFill>
+                <a:miter lim="800000"/>
+                <a:headEnd/>
+                <a:tailEnd/>
+              </a14:hiddenLine>
+            </a:ext>
+            <a:ext uri="{AF507438-7753-43E0-B8FC-AC1667EBCBE1}">
+              <a14:hiddenEffects xmlns:a14="http://schemas.microsoft.com/office/drawing/2010/main">
+                <a:effectLst>
+                  <a:outerShdw dist="35921" dir="2700000" algn="ctr" rotWithShape="0">
+                    <a:schemeClr val="bg2"/>
+                  </a:outerShdw>
+                </a:effectLst>
+              </a14:hiddenEffects>
+            </a:ext>
+          </a:extLst>
+        </p:spPr>
+      </p:pic>
+      <p:pic>
+        <p:nvPicPr>
+          <p:cNvPr id="2051" name="Picture 3"/>
+          <p:cNvPicPr>
+            <a:picLocks noChangeAspect="1" noChangeArrowheads="1"/>
+          </p:cNvPicPr>
+          <p:nvPr/>
+        </p:nvPicPr>
+        <p:blipFill>
+          <a:blip r:embed="rId3">
+            <a:extLst>
+              <a:ext uri="{28A0092B-C50C-407E-A947-70E740481C1C}">
+                <a14:useLocalDpi xmlns:a14="http://schemas.microsoft.com/office/drawing/2010/main" val="0"/>
+              </a:ext>
+            </a:extLst>
+          </a:blip>
+          <a:srcRect/>
+          <a:stretch>
+            <a:fillRect/>
+          </a:stretch>
+        </p:blipFill>
+        <p:spPr bwMode="auto">
+          <a:xfrm>
+            <a:off x="3816350" y="1431925"/>
+            <a:ext cx="5327650" cy="3994150"/>
+          </a:xfrm>
+          <a:prstGeom prst="rect">
+            <a:avLst/>
+          </a:prstGeom>
+          <a:noFill/>
+          <a:ln>
+            <a:noFill/>
+          </a:ln>
+          <a:effectLst/>
+          <a:extLst>
+            <a:ext uri="{909E8E84-426E-40DD-AFC4-6F175D3DCCD1}">
+              <a14:hiddenFill xmlns:a14="http://schemas.microsoft.com/office/drawing/2010/main">
+                <a:solidFill>
+                  <a:schemeClr val="accent1"/>
+                </a:solidFill>
+              </a14:hiddenFill>
+            </a:ext>
+            <a:ext uri="{91240B29-F687-4F45-9708-019B960494DF}">
+              <a14:hiddenLine xmlns:a14="http://schemas.microsoft.com/office/drawing/2010/main" w="9525">
+                <a:solidFill>
+                  <a:schemeClr val="tx1"/>
+                </a:solidFill>
+                <a:miter lim="800000"/>
+                <a:headEnd/>
+                <a:tailEnd/>
+              </a14:hiddenLine>
+            </a:ext>
+            <a:ext uri="{AF507438-7753-43E0-B8FC-AC1667EBCBE1}">
+              <a14:hiddenEffects xmlns:a14="http://schemas.microsoft.com/office/drawing/2010/main">
+                <a:effectLst>
+                  <a:outerShdw dist="35921" dir="2700000" algn="ctr" rotWithShape="0">
+                    <a:schemeClr val="bg2"/>
+                  </a:outerShdw>
+                </a:effectLst>
+              </a14:hiddenEffects>
+            </a:ext>
+          </a:extLst>
+        </p:spPr>
+      </p:pic>
+    </p:spTree>
+    <p:extLst>
+      <p:ext uri="{BB962C8B-B14F-4D97-AF65-F5344CB8AC3E}">
+        <p14:creationId xmlns:p14="http://schemas.microsoft.com/office/powerpoint/2010/main" val="2449996251"/>
+      </p:ext>
+    </p:extLst>
+  </p:cSld>
+  <p:clrMapOvr>
+    <a:masterClrMapping/>
+  </p:clrMapOvr>
+</p:sld>
+</file>
+
+<file path=ppt/slides/slide10.xml><?xml version="1.0" encoding="utf-8"?>
+<p:sld xmlns:a="http://schemas.openxmlformats.org/drawingml/2006/main" xmlns:r="http://schemas.openxmlformats.org/officeDocument/2006/relationships" xmlns:p="http://schemas.openxmlformats.org/presentationml/2006/main">
+  <p:cSld>
+    <p:spTree>
+      <p:nvGrpSpPr>
+        <p:cNvPr id="1" name=""/>
+        <p:cNvGrpSpPr/>
+        <p:nvPr/>
+      </p:nvGrpSpPr>
+      <p:grpSpPr>
+        <a:xfrm>
+          <a:off x="0" y="0"/>
+          <a:ext cx="0" cy="0"/>
+          <a:chOff x="0" y="0"/>
+          <a:chExt cx="0" cy="0"/>
+        </a:xfrm>
+      </p:grpSpPr>
+      <p:pic>
+        <p:nvPicPr>
           <p:cNvPr id="1027" name="Picture 3"/>
           <p:cNvPicPr>
             <a:picLocks noChangeAspect="1" noChangeArrowheads="1"/>
@@ -3243,7 +3410,7 @@
 </p:sld>
 </file>
 
-<file path=ppt/slides/slide2.xml><?xml version="1.0" encoding="utf-8"?>
+<file path=ppt/slides/slide11.xml><?xml version="1.0" encoding="utf-8"?>
 <p:sld xmlns:a="http://schemas.openxmlformats.org/drawingml/2006/main" xmlns:r="http://schemas.openxmlformats.org/officeDocument/2006/relationships" xmlns:p="http://schemas.openxmlformats.org/presentationml/2006/main">
   <p:cSld>
     <p:spTree>
@@ -3401,7 +3568,7 @@
 </p:sld>
 </file>
 
-<file path=ppt/slides/slide3.xml><?xml version="1.0" encoding="utf-8"?>
+<file path=ppt/slides/slide12.xml><?xml version="1.0" encoding="utf-8"?>
 <p:sld xmlns:a="http://schemas.openxmlformats.org/drawingml/2006/main" xmlns:r="http://schemas.openxmlformats.org/officeDocument/2006/relationships" xmlns:p="http://schemas.openxmlformats.org/presentationml/2006/main">
   <p:cSld>
     <p:spTree>
@@ -3559,7 +3726,7 @@
 </p:sld>
 </file>
 
-<file path=ppt/slides/slide4.xml><?xml version="1.0" encoding="utf-8"?>
+<file path=ppt/slides/slide13.xml><?xml version="1.0" encoding="utf-8"?>
 <p:sld xmlns:a="http://schemas.openxmlformats.org/drawingml/2006/main" xmlns:r="http://schemas.openxmlformats.org/officeDocument/2006/relationships" xmlns:p="http://schemas.openxmlformats.org/presentationml/2006/main">
   <p:cSld>
     <p:spTree>
@@ -3717,7 +3884,7 @@
 </p:sld>
 </file>
 
-<file path=ppt/slides/slide5.xml><?xml version="1.0" encoding="utf-8"?>
+<file path=ppt/slides/slide14.xml><?xml version="1.0" encoding="utf-8"?>
 <p:sld xmlns:a="http://schemas.openxmlformats.org/drawingml/2006/main" xmlns:r="http://schemas.openxmlformats.org/officeDocument/2006/relationships" xmlns:p="http://schemas.openxmlformats.org/presentationml/2006/main">
   <p:cSld>
     <p:spTree>
@@ -3875,7 +4042,7 @@
 </p:sld>
 </file>
 
-<file path=ppt/slides/slide6.xml><?xml version="1.0" encoding="utf-8"?>
+<file path=ppt/slides/slide15.xml><?xml version="1.0" encoding="utf-8"?>
 <p:sld xmlns:a="http://schemas.openxmlformats.org/drawingml/2006/main" xmlns:r="http://schemas.openxmlformats.org/officeDocument/2006/relationships" xmlns:p="http://schemas.openxmlformats.org/presentationml/2006/main">
   <p:cSld>
     <p:spTree>
@@ -4033,7 +4200,7 @@
 </p:sld>
 </file>
 
-<file path=ppt/slides/slide7.xml><?xml version="1.0" encoding="utf-8"?>
+<file path=ppt/slides/slide16.xml><?xml version="1.0" encoding="utf-8"?>
 <p:sld xmlns:a="http://schemas.openxmlformats.org/drawingml/2006/main" xmlns:r="http://schemas.openxmlformats.org/officeDocument/2006/relationships" xmlns:p="http://schemas.openxmlformats.org/presentationml/2006/main">
   <p:cSld>
     <p:spTree>
@@ -4447,7 +4614,7 @@
 </p:sld>
 </file>
 
-<file path=ppt/slides/slide8.xml><?xml version="1.0" encoding="utf-8"?>
+<file path=ppt/slides/slide17.xml><?xml version="1.0" encoding="utf-8"?>
 <p:sld xmlns:a="http://schemas.openxmlformats.org/drawingml/2006/main" xmlns:r="http://schemas.openxmlformats.org/officeDocument/2006/relationships" xmlns:p="http://schemas.openxmlformats.org/presentationml/2006/main">
   <p:cSld>
     <p:spTree>
@@ -4852,6 +5019,1654 @@
     <p:extLst>
       <p:ext uri="{BB962C8B-B14F-4D97-AF65-F5344CB8AC3E}">
         <p14:creationId xmlns:p14="http://schemas.microsoft.com/office/powerpoint/2010/main" val="4260161792"/>
+      </p:ext>
+    </p:extLst>
+  </p:cSld>
+  <p:clrMapOvr>
+    <a:masterClrMapping/>
+  </p:clrMapOvr>
+</p:sld>
+</file>
+
+<file path=ppt/slides/slide2.xml><?xml version="1.0" encoding="utf-8"?>
+<p:sld xmlns:a="http://schemas.openxmlformats.org/drawingml/2006/main" xmlns:r="http://schemas.openxmlformats.org/officeDocument/2006/relationships" xmlns:p="http://schemas.openxmlformats.org/presentationml/2006/main">
+  <p:cSld>
+    <p:spTree>
+      <p:nvGrpSpPr>
+        <p:cNvPr id="1" name=""/>
+        <p:cNvGrpSpPr/>
+        <p:nvPr/>
+      </p:nvGrpSpPr>
+      <p:grpSpPr>
+        <a:xfrm>
+          <a:off x="0" y="0"/>
+          <a:ext cx="0" cy="0"/>
+          <a:chOff x="0" y="0"/>
+          <a:chExt cx="0" cy="0"/>
+        </a:xfrm>
+      </p:grpSpPr>
+      <p:pic>
+        <p:nvPicPr>
+          <p:cNvPr id="3074" name="Picture 2"/>
+          <p:cNvPicPr>
+            <a:picLocks noChangeAspect="1" noChangeArrowheads="1"/>
+          </p:cNvPicPr>
+          <p:nvPr/>
+        </p:nvPicPr>
+        <p:blipFill>
+          <a:blip r:embed="rId2">
+            <a:extLst>
+              <a:ext uri="{28A0092B-C50C-407E-A947-70E740481C1C}">
+                <a14:useLocalDpi xmlns:a14="http://schemas.microsoft.com/office/drawing/2010/main" val="0"/>
+              </a:ext>
+            </a:extLst>
+          </a:blip>
+          <a:srcRect/>
+          <a:stretch>
+            <a:fillRect/>
+          </a:stretch>
+        </p:blipFill>
+        <p:spPr bwMode="auto">
+          <a:xfrm>
+            <a:off x="0" y="2057945"/>
+            <a:ext cx="3657600" cy="2742110"/>
+          </a:xfrm>
+          <a:prstGeom prst="rect">
+            <a:avLst/>
+          </a:prstGeom>
+          <a:noFill/>
+          <a:ln>
+            <a:noFill/>
+          </a:ln>
+          <a:effectLst/>
+          <a:extLst>
+            <a:ext uri="{909E8E84-426E-40DD-AFC4-6F175D3DCCD1}">
+              <a14:hiddenFill xmlns:a14="http://schemas.microsoft.com/office/drawing/2010/main">
+                <a:solidFill>
+                  <a:schemeClr val="accent1"/>
+                </a:solidFill>
+              </a14:hiddenFill>
+            </a:ext>
+            <a:ext uri="{91240B29-F687-4F45-9708-019B960494DF}">
+              <a14:hiddenLine xmlns:a14="http://schemas.microsoft.com/office/drawing/2010/main" w="9525">
+                <a:solidFill>
+                  <a:schemeClr val="tx1"/>
+                </a:solidFill>
+                <a:miter lim="800000"/>
+                <a:headEnd/>
+                <a:tailEnd/>
+              </a14:hiddenLine>
+            </a:ext>
+            <a:ext uri="{AF507438-7753-43E0-B8FC-AC1667EBCBE1}">
+              <a14:hiddenEffects xmlns:a14="http://schemas.microsoft.com/office/drawing/2010/main">
+                <a:effectLst>
+                  <a:outerShdw dist="35921" dir="2700000" algn="ctr" rotWithShape="0">
+                    <a:schemeClr val="bg2"/>
+                  </a:outerShdw>
+                </a:effectLst>
+              </a14:hiddenEffects>
+            </a:ext>
+          </a:extLst>
+        </p:spPr>
+      </p:pic>
+      <p:pic>
+        <p:nvPicPr>
+          <p:cNvPr id="3075" name="Picture 3"/>
+          <p:cNvPicPr>
+            <a:picLocks noChangeAspect="1" noChangeArrowheads="1"/>
+          </p:cNvPicPr>
+          <p:nvPr/>
+        </p:nvPicPr>
+        <p:blipFill>
+          <a:blip r:embed="rId3">
+            <a:extLst>
+              <a:ext uri="{28A0092B-C50C-407E-A947-70E740481C1C}">
+                <a14:useLocalDpi xmlns:a14="http://schemas.microsoft.com/office/drawing/2010/main" val="0"/>
+              </a:ext>
+            </a:extLst>
+          </a:blip>
+          <a:srcRect/>
+          <a:stretch>
+            <a:fillRect/>
+          </a:stretch>
+        </p:blipFill>
+        <p:spPr bwMode="auto">
+          <a:xfrm>
+            <a:off x="3816350" y="1431925"/>
+            <a:ext cx="5327650" cy="3994150"/>
+          </a:xfrm>
+          <a:prstGeom prst="rect">
+            <a:avLst/>
+          </a:prstGeom>
+          <a:noFill/>
+          <a:ln>
+            <a:noFill/>
+          </a:ln>
+          <a:effectLst/>
+          <a:extLst>
+            <a:ext uri="{909E8E84-426E-40DD-AFC4-6F175D3DCCD1}">
+              <a14:hiddenFill xmlns:a14="http://schemas.microsoft.com/office/drawing/2010/main">
+                <a:solidFill>
+                  <a:schemeClr val="accent1"/>
+                </a:solidFill>
+              </a14:hiddenFill>
+            </a:ext>
+            <a:ext uri="{91240B29-F687-4F45-9708-019B960494DF}">
+              <a14:hiddenLine xmlns:a14="http://schemas.microsoft.com/office/drawing/2010/main" w="9525">
+                <a:solidFill>
+                  <a:schemeClr val="tx1"/>
+                </a:solidFill>
+                <a:miter lim="800000"/>
+                <a:headEnd/>
+                <a:tailEnd/>
+              </a14:hiddenLine>
+            </a:ext>
+            <a:ext uri="{AF507438-7753-43E0-B8FC-AC1667EBCBE1}">
+              <a14:hiddenEffects xmlns:a14="http://schemas.microsoft.com/office/drawing/2010/main">
+                <a:effectLst>
+                  <a:outerShdw dist="35921" dir="2700000" algn="ctr" rotWithShape="0">
+                    <a:schemeClr val="bg2"/>
+                  </a:outerShdw>
+                </a:effectLst>
+              </a14:hiddenEffects>
+            </a:ext>
+          </a:extLst>
+        </p:spPr>
+      </p:pic>
+    </p:spTree>
+    <p:extLst>
+      <p:ext uri="{BB962C8B-B14F-4D97-AF65-F5344CB8AC3E}">
+        <p14:creationId xmlns:p14="http://schemas.microsoft.com/office/powerpoint/2010/main" val="3179329786"/>
+      </p:ext>
+    </p:extLst>
+  </p:cSld>
+  <p:clrMapOvr>
+    <a:masterClrMapping/>
+  </p:clrMapOvr>
+</p:sld>
+</file>
+
+<file path=ppt/slides/slide3.xml><?xml version="1.0" encoding="utf-8"?>
+<p:sld xmlns:a="http://schemas.openxmlformats.org/drawingml/2006/main" xmlns:r="http://schemas.openxmlformats.org/officeDocument/2006/relationships" xmlns:p="http://schemas.openxmlformats.org/presentationml/2006/main">
+  <p:cSld>
+    <p:spTree>
+      <p:nvGrpSpPr>
+        <p:cNvPr id="1" name=""/>
+        <p:cNvGrpSpPr/>
+        <p:nvPr/>
+      </p:nvGrpSpPr>
+      <p:grpSpPr>
+        <a:xfrm>
+          <a:off x="0" y="0"/>
+          <a:ext cx="0" cy="0"/>
+          <a:chOff x="0" y="0"/>
+          <a:chExt cx="0" cy="0"/>
+        </a:xfrm>
+      </p:grpSpPr>
+      <p:pic>
+        <p:nvPicPr>
+          <p:cNvPr id="4098" name="Picture 2"/>
+          <p:cNvPicPr>
+            <a:picLocks noChangeAspect="1" noChangeArrowheads="1"/>
+          </p:cNvPicPr>
+          <p:nvPr/>
+        </p:nvPicPr>
+        <p:blipFill>
+          <a:blip r:embed="rId2">
+            <a:extLst>
+              <a:ext uri="{28A0092B-C50C-407E-A947-70E740481C1C}">
+                <a14:useLocalDpi xmlns:a14="http://schemas.microsoft.com/office/drawing/2010/main" val="0"/>
+              </a:ext>
+            </a:extLst>
+          </a:blip>
+          <a:srcRect/>
+          <a:stretch>
+            <a:fillRect/>
+          </a:stretch>
+        </p:blipFill>
+        <p:spPr bwMode="auto">
+          <a:xfrm>
+            <a:off x="0" y="2057945"/>
+            <a:ext cx="3657600" cy="2742110"/>
+          </a:xfrm>
+          <a:prstGeom prst="rect">
+            <a:avLst/>
+          </a:prstGeom>
+          <a:noFill/>
+          <a:ln>
+            <a:noFill/>
+          </a:ln>
+          <a:effectLst/>
+          <a:extLst>
+            <a:ext uri="{909E8E84-426E-40DD-AFC4-6F175D3DCCD1}">
+              <a14:hiddenFill xmlns:a14="http://schemas.microsoft.com/office/drawing/2010/main">
+                <a:solidFill>
+                  <a:schemeClr val="accent1"/>
+                </a:solidFill>
+              </a14:hiddenFill>
+            </a:ext>
+            <a:ext uri="{91240B29-F687-4F45-9708-019B960494DF}">
+              <a14:hiddenLine xmlns:a14="http://schemas.microsoft.com/office/drawing/2010/main" w="9525">
+                <a:solidFill>
+                  <a:schemeClr val="tx1"/>
+                </a:solidFill>
+                <a:miter lim="800000"/>
+                <a:headEnd/>
+                <a:tailEnd/>
+              </a14:hiddenLine>
+            </a:ext>
+            <a:ext uri="{AF507438-7753-43E0-B8FC-AC1667EBCBE1}">
+              <a14:hiddenEffects xmlns:a14="http://schemas.microsoft.com/office/drawing/2010/main">
+                <a:effectLst>
+                  <a:outerShdw dist="35921" dir="2700000" algn="ctr" rotWithShape="0">
+                    <a:schemeClr val="bg2"/>
+                  </a:outerShdw>
+                </a:effectLst>
+              </a14:hiddenEffects>
+            </a:ext>
+          </a:extLst>
+        </p:spPr>
+      </p:pic>
+      <p:pic>
+        <p:nvPicPr>
+          <p:cNvPr id="4099" name="Picture 3"/>
+          <p:cNvPicPr>
+            <a:picLocks noChangeAspect="1" noChangeArrowheads="1"/>
+          </p:cNvPicPr>
+          <p:nvPr/>
+        </p:nvPicPr>
+        <p:blipFill>
+          <a:blip r:embed="rId3">
+            <a:extLst>
+              <a:ext uri="{28A0092B-C50C-407E-A947-70E740481C1C}">
+                <a14:useLocalDpi xmlns:a14="http://schemas.microsoft.com/office/drawing/2010/main" val="0"/>
+              </a:ext>
+            </a:extLst>
+          </a:blip>
+          <a:srcRect/>
+          <a:stretch>
+            <a:fillRect/>
+          </a:stretch>
+        </p:blipFill>
+        <p:spPr bwMode="auto">
+          <a:xfrm>
+            <a:off x="3816350" y="1431925"/>
+            <a:ext cx="5327650" cy="3994150"/>
+          </a:xfrm>
+          <a:prstGeom prst="rect">
+            <a:avLst/>
+          </a:prstGeom>
+          <a:noFill/>
+          <a:ln>
+            <a:noFill/>
+          </a:ln>
+          <a:effectLst/>
+          <a:extLst>
+            <a:ext uri="{909E8E84-426E-40DD-AFC4-6F175D3DCCD1}">
+              <a14:hiddenFill xmlns:a14="http://schemas.microsoft.com/office/drawing/2010/main">
+                <a:solidFill>
+                  <a:schemeClr val="accent1"/>
+                </a:solidFill>
+              </a14:hiddenFill>
+            </a:ext>
+            <a:ext uri="{91240B29-F687-4F45-9708-019B960494DF}">
+              <a14:hiddenLine xmlns:a14="http://schemas.microsoft.com/office/drawing/2010/main" w="9525">
+                <a:solidFill>
+                  <a:schemeClr val="tx1"/>
+                </a:solidFill>
+                <a:miter lim="800000"/>
+                <a:headEnd/>
+                <a:tailEnd/>
+              </a14:hiddenLine>
+            </a:ext>
+            <a:ext uri="{AF507438-7753-43E0-B8FC-AC1667EBCBE1}">
+              <a14:hiddenEffects xmlns:a14="http://schemas.microsoft.com/office/drawing/2010/main">
+                <a:effectLst>
+                  <a:outerShdw dist="35921" dir="2700000" algn="ctr" rotWithShape="0">
+                    <a:schemeClr val="bg2"/>
+                  </a:outerShdw>
+                </a:effectLst>
+              </a14:hiddenEffects>
+            </a:ext>
+          </a:extLst>
+        </p:spPr>
+      </p:pic>
+    </p:spTree>
+    <p:extLst>
+      <p:ext uri="{BB962C8B-B14F-4D97-AF65-F5344CB8AC3E}">
+        <p14:creationId xmlns:p14="http://schemas.microsoft.com/office/powerpoint/2010/main" val="3179329786"/>
+      </p:ext>
+    </p:extLst>
+  </p:cSld>
+  <p:clrMapOvr>
+    <a:masterClrMapping/>
+  </p:clrMapOvr>
+</p:sld>
+</file>
+
+<file path=ppt/slides/slide4.xml><?xml version="1.0" encoding="utf-8"?>
+<p:sld xmlns:a="http://schemas.openxmlformats.org/drawingml/2006/main" xmlns:r="http://schemas.openxmlformats.org/officeDocument/2006/relationships" xmlns:p="http://schemas.openxmlformats.org/presentationml/2006/main">
+  <p:cSld>
+    <p:spTree>
+      <p:nvGrpSpPr>
+        <p:cNvPr id="1" name=""/>
+        <p:cNvGrpSpPr/>
+        <p:nvPr/>
+      </p:nvGrpSpPr>
+      <p:grpSpPr>
+        <a:xfrm>
+          <a:off x="0" y="0"/>
+          <a:ext cx="0" cy="0"/>
+          <a:chOff x="0" y="0"/>
+          <a:chExt cx="0" cy="0"/>
+        </a:xfrm>
+      </p:grpSpPr>
+      <p:pic>
+        <p:nvPicPr>
+          <p:cNvPr id="5122" name="Picture 2"/>
+          <p:cNvPicPr>
+            <a:picLocks noChangeAspect="1" noChangeArrowheads="1"/>
+          </p:cNvPicPr>
+          <p:nvPr/>
+        </p:nvPicPr>
+        <p:blipFill>
+          <a:blip r:embed="rId2">
+            <a:extLst>
+              <a:ext uri="{28A0092B-C50C-407E-A947-70E740481C1C}">
+                <a14:useLocalDpi xmlns:a14="http://schemas.microsoft.com/office/drawing/2010/main" val="0"/>
+              </a:ext>
+            </a:extLst>
+          </a:blip>
+          <a:srcRect/>
+          <a:stretch>
+            <a:fillRect/>
+          </a:stretch>
+        </p:blipFill>
+        <p:spPr bwMode="auto">
+          <a:xfrm>
+            <a:off x="0" y="2057945"/>
+            <a:ext cx="3657600" cy="2742110"/>
+          </a:xfrm>
+          <a:prstGeom prst="rect">
+            <a:avLst/>
+          </a:prstGeom>
+          <a:noFill/>
+          <a:ln>
+            <a:noFill/>
+          </a:ln>
+          <a:effectLst/>
+          <a:extLst>
+            <a:ext uri="{909E8E84-426E-40DD-AFC4-6F175D3DCCD1}">
+              <a14:hiddenFill xmlns:a14="http://schemas.microsoft.com/office/drawing/2010/main">
+                <a:solidFill>
+                  <a:schemeClr val="accent1"/>
+                </a:solidFill>
+              </a14:hiddenFill>
+            </a:ext>
+            <a:ext uri="{91240B29-F687-4F45-9708-019B960494DF}">
+              <a14:hiddenLine xmlns:a14="http://schemas.microsoft.com/office/drawing/2010/main" w="9525">
+                <a:solidFill>
+                  <a:schemeClr val="tx1"/>
+                </a:solidFill>
+                <a:miter lim="800000"/>
+                <a:headEnd/>
+                <a:tailEnd/>
+              </a14:hiddenLine>
+            </a:ext>
+            <a:ext uri="{AF507438-7753-43E0-B8FC-AC1667EBCBE1}">
+              <a14:hiddenEffects xmlns:a14="http://schemas.microsoft.com/office/drawing/2010/main">
+                <a:effectLst>
+                  <a:outerShdw dist="35921" dir="2700000" algn="ctr" rotWithShape="0">
+                    <a:schemeClr val="bg2"/>
+                  </a:outerShdw>
+                </a:effectLst>
+              </a14:hiddenEffects>
+            </a:ext>
+          </a:extLst>
+        </p:spPr>
+      </p:pic>
+      <p:pic>
+        <p:nvPicPr>
+          <p:cNvPr id="5123" name="Picture 3"/>
+          <p:cNvPicPr>
+            <a:picLocks noChangeAspect="1" noChangeArrowheads="1"/>
+          </p:cNvPicPr>
+          <p:nvPr/>
+        </p:nvPicPr>
+        <p:blipFill>
+          <a:blip r:embed="rId3">
+            <a:extLst>
+              <a:ext uri="{28A0092B-C50C-407E-A947-70E740481C1C}">
+                <a14:useLocalDpi xmlns:a14="http://schemas.microsoft.com/office/drawing/2010/main" val="0"/>
+              </a:ext>
+            </a:extLst>
+          </a:blip>
+          <a:srcRect/>
+          <a:stretch>
+            <a:fillRect/>
+          </a:stretch>
+        </p:blipFill>
+        <p:spPr bwMode="auto">
+          <a:xfrm>
+            <a:off x="3816350" y="1431925"/>
+            <a:ext cx="5327650" cy="3994150"/>
+          </a:xfrm>
+          <a:prstGeom prst="rect">
+            <a:avLst/>
+          </a:prstGeom>
+          <a:noFill/>
+          <a:ln>
+            <a:noFill/>
+          </a:ln>
+          <a:effectLst/>
+          <a:extLst>
+            <a:ext uri="{909E8E84-426E-40DD-AFC4-6F175D3DCCD1}">
+              <a14:hiddenFill xmlns:a14="http://schemas.microsoft.com/office/drawing/2010/main">
+                <a:solidFill>
+                  <a:schemeClr val="accent1"/>
+                </a:solidFill>
+              </a14:hiddenFill>
+            </a:ext>
+            <a:ext uri="{91240B29-F687-4F45-9708-019B960494DF}">
+              <a14:hiddenLine xmlns:a14="http://schemas.microsoft.com/office/drawing/2010/main" w="9525">
+                <a:solidFill>
+                  <a:schemeClr val="tx1"/>
+                </a:solidFill>
+                <a:miter lim="800000"/>
+                <a:headEnd/>
+                <a:tailEnd/>
+              </a14:hiddenLine>
+            </a:ext>
+            <a:ext uri="{AF507438-7753-43E0-B8FC-AC1667EBCBE1}">
+              <a14:hiddenEffects xmlns:a14="http://schemas.microsoft.com/office/drawing/2010/main">
+                <a:effectLst>
+                  <a:outerShdw dist="35921" dir="2700000" algn="ctr" rotWithShape="0">
+                    <a:schemeClr val="bg2"/>
+                  </a:outerShdw>
+                </a:effectLst>
+              </a14:hiddenEffects>
+            </a:ext>
+          </a:extLst>
+        </p:spPr>
+      </p:pic>
+    </p:spTree>
+    <p:extLst>
+      <p:ext uri="{BB962C8B-B14F-4D97-AF65-F5344CB8AC3E}">
+        <p14:creationId xmlns:p14="http://schemas.microsoft.com/office/powerpoint/2010/main" val="3179329786"/>
+      </p:ext>
+    </p:extLst>
+  </p:cSld>
+  <p:clrMapOvr>
+    <a:masterClrMapping/>
+  </p:clrMapOvr>
+</p:sld>
+</file>
+
+<file path=ppt/slides/slide5.xml><?xml version="1.0" encoding="utf-8"?>
+<p:sld xmlns:a="http://schemas.openxmlformats.org/drawingml/2006/main" xmlns:r="http://schemas.openxmlformats.org/officeDocument/2006/relationships" xmlns:p="http://schemas.openxmlformats.org/presentationml/2006/main">
+  <p:cSld>
+    <p:spTree>
+      <p:nvGrpSpPr>
+        <p:cNvPr id="1" name=""/>
+        <p:cNvGrpSpPr/>
+        <p:nvPr/>
+      </p:nvGrpSpPr>
+      <p:grpSpPr>
+        <a:xfrm>
+          <a:off x="0" y="0"/>
+          <a:ext cx="0" cy="0"/>
+          <a:chOff x="0" y="0"/>
+          <a:chExt cx="0" cy="0"/>
+        </a:xfrm>
+      </p:grpSpPr>
+      <p:pic>
+        <p:nvPicPr>
+          <p:cNvPr id="6146" name="Picture 2"/>
+          <p:cNvPicPr>
+            <a:picLocks noChangeAspect="1" noChangeArrowheads="1"/>
+          </p:cNvPicPr>
+          <p:nvPr/>
+        </p:nvPicPr>
+        <p:blipFill>
+          <a:blip r:embed="rId2">
+            <a:extLst>
+              <a:ext uri="{28A0092B-C50C-407E-A947-70E740481C1C}">
+                <a14:useLocalDpi xmlns:a14="http://schemas.microsoft.com/office/drawing/2010/main" val="0"/>
+              </a:ext>
+            </a:extLst>
+          </a:blip>
+          <a:srcRect/>
+          <a:stretch>
+            <a:fillRect/>
+          </a:stretch>
+        </p:blipFill>
+        <p:spPr bwMode="auto">
+          <a:xfrm>
+            <a:off x="3816350" y="1431925"/>
+            <a:ext cx="5327650" cy="3994150"/>
+          </a:xfrm>
+          <a:prstGeom prst="rect">
+            <a:avLst/>
+          </a:prstGeom>
+          <a:noFill/>
+          <a:ln>
+            <a:noFill/>
+          </a:ln>
+          <a:effectLst/>
+          <a:extLst>
+            <a:ext uri="{909E8E84-426E-40DD-AFC4-6F175D3DCCD1}">
+              <a14:hiddenFill xmlns:a14="http://schemas.microsoft.com/office/drawing/2010/main">
+                <a:solidFill>
+                  <a:schemeClr val="accent1"/>
+                </a:solidFill>
+              </a14:hiddenFill>
+            </a:ext>
+            <a:ext uri="{91240B29-F687-4F45-9708-019B960494DF}">
+              <a14:hiddenLine xmlns:a14="http://schemas.microsoft.com/office/drawing/2010/main" w="9525">
+                <a:solidFill>
+                  <a:schemeClr val="tx1"/>
+                </a:solidFill>
+                <a:miter lim="800000"/>
+                <a:headEnd/>
+                <a:tailEnd/>
+              </a14:hiddenLine>
+            </a:ext>
+            <a:ext uri="{AF507438-7753-43E0-B8FC-AC1667EBCBE1}">
+              <a14:hiddenEffects xmlns:a14="http://schemas.microsoft.com/office/drawing/2010/main">
+                <a:effectLst>
+                  <a:outerShdw dist="35921" dir="2700000" algn="ctr" rotWithShape="0">
+                    <a:schemeClr val="bg2"/>
+                  </a:outerShdw>
+                </a:effectLst>
+              </a14:hiddenEffects>
+            </a:ext>
+          </a:extLst>
+        </p:spPr>
+      </p:pic>
+      <p:pic>
+        <p:nvPicPr>
+          <p:cNvPr id="6147" name="Picture 3"/>
+          <p:cNvPicPr>
+            <a:picLocks noChangeAspect="1" noChangeArrowheads="1"/>
+          </p:cNvPicPr>
+          <p:nvPr/>
+        </p:nvPicPr>
+        <p:blipFill>
+          <a:blip r:embed="rId3">
+            <a:extLst>
+              <a:ext uri="{28A0092B-C50C-407E-A947-70E740481C1C}">
+                <a14:useLocalDpi xmlns:a14="http://schemas.microsoft.com/office/drawing/2010/main" val="0"/>
+              </a:ext>
+            </a:extLst>
+          </a:blip>
+          <a:srcRect/>
+          <a:stretch>
+            <a:fillRect/>
+          </a:stretch>
+        </p:blipFill>
+        <p:spPr bwMode="auto">
+          <a:xfrm>
+            <a:off x="0" y="2057945"/>
+            <a:ext cx="3657600" cy="2742110"/>
+          </a:xfrm>
+          <a:prstGeom prst="rect">
+            <a:avLst/>
+          </a:prstGeom>
+          <a:noFill/>
+          <a:ln>
+            <a:noFill/>
+          </a:ln>
+          <a:effectLst/>
+          <a:extLst>
+            <a:ext uri="{909E8E84-426E-40DD-AFC4-6F175D3DCCD1}">
+              <a14:hiddenFill xmlns:a14="http://schemas.microsoft.com/office/drawing/2010/main">
+                <a:solidFill>
+                  <a:schemeClr val="accent1"/>
+                </a:solidFill>
+              </a14:hiddenFill>
+            </a:ext>
+            <a:ext uri="{91240B29-F687-4F45-9708-019B960494DF}">
+              <a14:hiddenLine xmlns:a14="http://schemas.microsoft.com/office/drawing/2010/main" w="9525">
+                <a:solidFill>
+                  <a:schemeClr val="tx1"/>
+                </a:solidFill>
+                <a:miter lim="800000"/>
+                <a:headEnd/>
+                <a:tailEnd/>
+              </a14:hiddenLine>
+            </a:ext>
+            <a:ext uri="{AF507438-7753-43E0-B8FC-AC1667EBCBE1}">
+              <a14:hiddenEffects xmlns:a14="http://schemas.microsoft.com/office/drawing/2010/main">
+                <a:effectLst>
+                  <a:outerShdw dist="35921" dir="2700000" algn="ctr" rotWithShape="0">
+                    <a:schemeClr val="bg2"/>
+                  </a:outerShdw>
+                </a:effectLst>
+              </a14:hiddenEffects>
+            </a:ext>
+          </a:extLst>
+        </p:spPr>
+      </p:pic>
+    </p:spTree>
+    <p:extLst>
+      <p:ext uri="{BB962C8B-B14F-4D97-AF65-F5344CB8AC3E}">
+        <p14:creationId xmlns:p14="http://schemas.microsoft.com/office/powerpoint/2010/main" val="3179329786"/>
+      </p:ext>
+    </p:extLst>
+  </p:cSld>
+  <p:clrMapOvr>
+    <a:masterClrMapping/>
+  </p:clrMapOvr>
+</p:sld>
+</file>
+
+<file path=ppt/slides/slide6.xml><?xml version="1.0" encoding="utf-8"?>
+<p:sld xmlns:a="http://schemas.openxmlformats.org/drawingml/2006/main" xmlns:r="http://schemas.openxmlformats.org/officeDocument/2006/relationships" xmlns:p="http://schemas.openxmlformats.org/presentationml/2006/main">
+  <p:cSld>
+    <p:spTree>
+      <p:nvGrpSpPr>
+        <p:cNvPr id="1" name=""/>
+        <p:cNvGrpSpPr/>
+        <p:nvPr/>
+      </p:nvGrpSpPr>
+      <p:grpSpPr>
+        <a:xfrm>
+          <a:off x="0" y="0"/>
+          <a:ext cx="0" cy="0"/>
+          <a:chOff x="0" y="0"/>
+          <a:chExt cx="0" cy="0"/>
+        </a:xfrm>
+      </p:grpSpPr>
+      <p:pic>
+        <p:nvPicPr>
+          <p:cNvPr id="7170" name="Picture 2"/>
+          <p:cNvPicPr>
+            <a:picLocks noChangeAspect="1" noChangeArrowheads="1"/>
+          </p:cNvPicPr>
+          <p:nvPr/>
+        </p:nvPicPr>
+        <p:blipFill>
+          <a:blip r:embed="rId2">
+            <a:extLst>
+              <a:ext uri="{28A0092B-C50C-407E-A947-70E740481C1C}">
+                <a14:useLocalDpi xmlns:a14="http://schemas.microsoft.com/office/drawing/2010/main" val="0"/>
+              </a:ext>
+            </a:extLst>
+          </a:blip>
+          <a:srcRect/>
+          <a:stretch>
+            <a:fillRect/>
+          </a:stretch>
+        </p:blipFill>
+        <p:spPr bwMode="auto">
+          <a:xfrm>
+            <a:off x="0" y="2057945"/>
+            <a:ext cx="3657600" cy="2742110"/>
+          </a:xfrm>
+          <a:prstGeom prst="rect">
+            <a:avLst/>
+          </a:prstGeom>
+          <a:noFill/>
+          <a:ln>
+            <a:noFill/>
+          </a:ln>
+          <a:effectLst/>
+          <a:extLst>
+            <a:ext uri="{909E8E84-426E-40DD-AFC4-6F175D3DCCD1}">
+              <a14:hiddenFill xmlns:a14="http://schemas.microsoft.com/office/drawing/2010/main">
+                <a:solidFill>
+                  <a:schemeClr val="accent1"/>
+                </a:solidFill>
+              </a14:hiddenFill>
+            </a:ext>
+            <a:ext uri="{91240B29-F687-4F45-9708-019B960494DF}">
+              <a14:hiddenLine xmlns:a14="http://schemas.microsoft.com/office/drawing/2010/main" w="9525">
+                <a:solidFill>
+                  <a:schemeClr val="tx1"/>
+                </a:solidFill>
+                <a:miter lim="800000"/>
+                <a:headEnd/>
+                <a:tailEnd/>
+              </a14:hiddenLine>
+            </a:ext>
+            <a:ext uri="{AF507438-7753-43E0-B8FC-AC1667EBCBE1}">
+              <a14:hiddenEffects xmlns:a14="http://schemas.microsoft.com/office/drawing/2010/main">
+                <a:effectLst>
+                  <a:outerShdw dist="35921" dir="2700000" algn="ctr" rotWithShape="0">
+                    <a:schemeClr val="bg2"/>
+                  </a:outerShdw>
+                </a:effectLst>
+              </a14:hiddenEffects>
+            </a:ext>
+          </a:extLst>
+        </p:spPr>
+      </p:pic>
+      <p:pic>
+        <p:nvPicPr>
+          <p:cNvPr id="7171" name="Picture 3"/>
+          <p:cNvPicPr>
+            <a:picLocks noChangeAspect="1" noChangeArrowheads="1"/>
+          </p:cNvPicPr>
+          <p:nvPr/>
+        </p:nvPicPr>
+        <p:blipFill>
+          <a:blip r:embed="rId3">
+            <a:extLst>
+              <a:ext uri="{28A0092B-C50C-407E-A947-70E740481C1C}">
+                <a14:useLocalDpi xmlns:a14="http://schemas.microsoft.com/office/drawing/2010/main" val="0"/>
+              </a:ext>
+            </a:extLst>
+          </a:blip>
+          <a:srcRect/>
+          <a:stretch>
+            <a:fillRect/>
+          </a:stretch>
+        </p:blipFill>
+        <p:spPr bwMode="auto">
+          <a:xfrm>
+            <a:off x="3816350" y="1431925"/>
+            <a:ext cx="5327650" cy="3994150"/>
+          </a:xfrm>
+          <a:prstGeom prst="rect">
+            <a:avLst/>
+          </a:prstGeom>
+          <a:noFill/>
+          <a:ln>
+            <a:noFill/>
+          </a:ln>
+          <a:effectLst/>
+          <a:extLst>
+            <a:ext uri="{909E8E84-426E-40DD-AFC4-6F175D3DCCD1}">
+              <a14:hiddenFill xmlns:a14="http://schemas.microsoft.com/office/drawing/2010/main">
+                <a:solidFill>
+                  <a:schemeClr val="accent1"/>
+                </a:solidFill>
+              </a14:hiddenFill>
+            </a:ext>
+            <a:ext uri="{91240B29-F687-4F45-9708-019B960494DF}">
+              <a14:hiddenLine xmlns:a14="http://schemas.microsoft.com/office/drawing/2010/main" w="9525">
+                <a:solidFill>
+                  <a:schemeClr val="tx1"/>
+                </a:solidFill>
+                <a:miter lim="800000"/>
+                <a:headEnd/>
+                <a:tailEnd/>
+              </a14:hiddenLine>
+            </a:ext>
+            <a:ext uri="{AF507438-7753-43E0-B8FC-AC1667EBCBE1}">
+              <a14:hiddenEffects xmlns:a14="http://schemas.microsoft.com/office/drawing/2010/main">
+                <a:effectLst>
+                  <a:outerShdw dist="35921" dir="2700000" algn="ctr" rotWithShape="0">
+                    <a:schemeClr val="bg2"/>
+                  </a:outerShdw>
+                </a:effectLst>
+              </a14:hiddenEffects>
+            </a:ext>
+          </a:extLst>
+        </p:spPr>
+      </p:pic>
+    </p:spTree>
+    <p:extLst>
+      <p:ext uri="{BB962C8B-B14F-4D97-AF65-F5344CB8AC3E}">
+        <p14:creationId xmlns:p14="http://schemas.microsoft.com/office/powerpoint/2010/main" val="3179329786"/>
+      </p:ext>
+    </p:extLst>
+  </p:cSld>
+  <p:clrMapOvr>
+    <a:masterClrMapping/>
+  </p:clrMapOvr>
+</p:sld>
+</file>
+
+<file path=ppt/slides/slide7.xml><?xml version="1.0" encoding="utf-8"?>
+<p:sld xmlns:a="http://schemas.openxmlformats.org/drawingml/2006/main" xmlns:r="http://schemas.openxmlformats.org/officeDocument/2006/relationships" xmlns:p="http://schemas.openxmlformats.org/presentationml/2006/main">
+  <p:cSld>
+    <p:spTree>
+      <p:nvGrpSpPr>
+        <p:cNvPr id="1" name=""/>
+        <p:cNvGrpSpPr/>
+        <p:nvPr/>
+      </p:nvGrpSpPr>
+      <p:grpSpPr>
+        <a:xfrm>
+          <a:off x="0" y="0"/>
+          <a:ext cx="0" cy="0"/>
+          <a:chOff x="0" y="0"/>
+          <a:chExt cx="0" cy="0"/>
+        </a:xfrm>
+      </p:grpSpPr>
+      <p:pic>
+        <p:nvPicPr>
+          <p:cNvPr id="2" name="Picture 2"/>
+          <p:cNvPicPr>
+            <a:picLocks noChangeAspect="1" noChangeArrowheads="1"/>
+          </p:cNvPicPr>
+          <p:nvPr/>
+        </p:nvPicPr>
+        <p:blipFill>
+          <a:blip r:embed="rId2" cstate="print">
+            <a:extLst>
+              <a:ext uri="{28A0092B-C50C-407E-A947-70E740481C1C}">
+                <a14:useLocalDpi xmlns:a14="http://schemas.microsoft.com/office/drawing/2010/main" val="0"/>
+              </a:ext>
+            </a:extLst>
+          </a:blip>
+          <a:srcRect/>
+          <a:stretch>
+            <a:fillRect/>
+          </a:stretch>
+        </p:blipFill>
+        <p:spPr bwMode="auto">
+          <a:xfrm>
+            <a:off x="0" y="736168"/>
+            <a:ext cx="3291840" cy="2467899"/>
+          </a:xfrm>
+          <a:prstGeom prst="rect">
+            <a:avLst/>
+          </a:prstGeom>
+          <a:noFill/>
+          <a:ln>
+            <a:noFill/>
+          </a:ln>
+          <a:effectLst/>
+          <a:extLst>
+            <a:ext uri="{909E8E84-426E-40DD-AFC4-6F175D3DCCD1}">
+              <a14:hiddenFill xmlns:a14="http://schemas.microsoft.com/office/drawing/2010/main">
+                <a:solidFill>
+                  <a:schemeClr val="accent1"/>
+                </a:solidFill>
+              </a14:hiddenFill>
+            </a:ext>
+            <a:ext uri="{91240B29-F687-4F45-9708-019B960494DF}">
+              <a14:hiddenLine xmlns:a14="http://schemas.microsoft.com/office/drawing/2010/main" w="9525">
+                <a:solidFill>
+                  <a:schemeClr val="tx1"/>
+                </a:solidFill>
+                <a:miter lim="800000"/>
+                <a:headEnd/>
+                <a:tailEnd/>
+              </a14:hiddenLine>
+            </a:ext>
+            <a:ext uri="{AF507438-7753-43E0-B8FC-AC1667EBCBE1}">
+              <a14:hiddenEffects xmlns:a14="http://schemas.microsoft.com/office/drawing/2010/main">
+                <a:effectLst>
+                  <a:outerShdw dist="35921" dir="2700000" algn="ctr" rotWithShape="0">
+                    <a:schemeClr val="bg2"/>
+                  </a:outerShdw>
+                </a:effectLst>
+              </a14:hiddenEffects>
+            </a:ext>
+          </a:extLst>
+        </p:spPr>
+      </p:pic>
+      <p:pic>
+        <p:nvPicPr>
+          <p:cNvPr id="3" name="Picture 2"/>
+          <p:cNvPicPr>
+            <a:picLocks noChangeAspect="1" noChangeArrowheads="1"/>
+          </p:cNvPicPr>
+          <p:nvPr/>
+        </p:nvPicPr>
+        <p:blipFill>
+          <a:blip r:embed="rId3" cstate="print">
+            <a:extLst>
+              <a:ext uri="{28A0092B-C50C-407E-A947-70E740481C1C}">
+                <a14:useLocalDpi xmlns:a14="http://schemas.microsoft.com/office/drawing/2010/main" val="0"/>
+              </a:ext>
+            </a:extLst>
+          </a:blip>
+          <a:srcRect/>
+          <a:stretch>
+            <a:fillRect/>
+          </a:stretch>
+        </p:blipFill>
+        <p:spPr bwMode="auto">
+          <a:xfrm>
+            <a:off x="2926080" y="736168"/>
+            <a:ext cx="3291840" cy="2467899"/>
+          </a:xfrm>
+          <a:prstGeom prst="rect">
+            <a:avLst/>
+          </a:prstGeom>
+          <a:noFill/>
+          <a:ln>
+            <a:noFill/>
+          </a:ln>
+          <a:effectLst/>
+          <a:extLst>
+            <a:ext uri="{909E8E84-426E-40DD-AFC4-6F175D3DCCD1}">
+              <a14:hiddenFill xmlns:a14="http://schemas.microsoft.com/office/drawing/2010/main">
+                <a:solidFill>
+                  <a:schemeClr val="accent1"/>
+                </a:solidFill>
+              </a14:hiddenFill>
+            </a:ext>
+            <a:ext uri="{91240B29-F687-4F45-9708-019B960494DF}">
+              <a14:hiddenLine xmlns:a14="http://schemas.microsoft.com/office/drawing/2010/main" w="9525">
+                <a:solidFill>
+                  <a:schemeClr val="tx1"/>
+                </a:solidFill>
+                <a:miter lim="800000"/>
+                <a:headEnd/>
+                <a:tailEnd/>
+              </a14:hiddenLine>
+            </a:ext>
+            <a:ext uri="{AF507438-7753-43E0-B8FC-AC1667EBCBE1}">
+              <a14:hiddenEffects xmlns:a14="http://schemas.microsoft.com/office/drawing/2010/main">
+                <a:effectLst>
+                  <a:outerShdw dist="35921" dir="2700000" algn="ctr" rotWithShape="0">
+                    <a:schemeClr val="bg2"/>
+                  </a:outerShdw>
+                </a:effectLst>
+              </a14:hiddenEffects>
+            </a:ext>
+          </a:extLst>
+        </p:spPr>
+      </p:pic>
+      <p:pic>
+        <p:nvPicPr>
+          <p:cNvPr id="4" name="Picture 2"/>
+          <p:cNvPicPr>
+            <a:picLocks noChangeAspect="1" noChangeArrowheads="1"/>
+          </p:cNvPicPr>
+          <p:nvPr/>
+        </p:nvPicPr>
+        <p:blipFill>
+          <a:blip r:embed="rId4" cstate="print">
+            <a:extLst>
+              <a:ext uri="{28A0092B-C50C-407E-A947-70E740481C1C}">
+                <a14:useLocalDpi xmlns:a14="http://schemas.microsoft.com/office/drawing/2010/main" val="0"/>
+              </a:ext>
+            </a:extLst>
+          </a:blip>
+          <a:srcRect/>
+          <a:stretch>
+            <a:fillRect/>
+          </a:stretch>
+        </p:blipFill>
+        <p:spPr bwMode="auto">
+          <a:xfrm>
+            <a:off x="5852160" y="736168"/>
+            <a:ext cx="3291840" cy="2467899"/>
+          </a:xfrm>
+          <a:prstGeom prst="rect">
+            <a:avLst/>
+          </a:prstGeom>
+          <a:noFill/>
+          <a:ln>
+            <a:noFill/>
+          </a:ln>
+          <a:effectLst/>
+          <a:extLst>
+            <a:ext uri="{909E8E84-426E-40DD-AFC4-6F175D3DCCD1}">
+              <a14:hiddenFill xmlns:a14="http://schemas.microsoft.com/office/drawing/2010/main">
+                <a:solidFill>
+                  <a:schemeClr val="accent1"/>
+                </a:solidFill>
+              </a14:hiddenFill>
+            </a:ext>
+            <a:ext uri="{91240B29-F687-4F45-9708-019B960494DF}">
+              <a14:hiddenLine xmlns:a14="http://schemas.microsoft.com/office/drawing/2010/main" w="9525">
+                <a:solidFill>
+                  <a:schemeClr val="tx1"/>
+                </a:solidFill>
+                <a:miter lim="800000"/>
+                <a:headEnd/>
+                <a:tailEnd/>
+              </a14:hiddenLine>
+            </a:ext>
+            <a:ext uri="{AF507438-7753-43E0-B8FC-AC1667EBCBE1}">
+              <a14:hiddenEffects xmlns:a14="http://schemas.microsoft.com/office/drawing/2010/main">
+                <a:effectLst>
+                  <a:outerShdw dist="35921" dir="2700000" algn="ctr" rotWithShape="0">
+                    <a:schemeClr val="bg2"/>
+                  </a:outerShdw>
+                </a:effectLst>
+              </a14:hiddenEffects>
+            </a:ext>
+          </a:extLst>
+        </p:spPr>
+      </p:pic>
+      <p:pic>
+        <p:nvPicPr>
+          <p:cNvPr id="5" name="Picture 2"/>
+          <p:cNvPicPr>
+            <a:picLocks noChangeAspect="1" noChangeArrowheads="1"/>
+          </p:cNvPicPr>
+          <p:nvPr/>
+        </p:nvPicPr>
+        <p:blipFill>
+          <a:blip r:embed="rId5" cstate="print">
+            <a:extLst>
+              <a:ext uri="{28A0092B-C50C-407E-A947-70E740481C1C}">
+                <a14:useLocalDpi xmlns:a14="http://schemas.microsoft.com/office/drawing/2010/main" val="0"/>
+              </a:ext>
+            </a:extLst>
+          </a:blip>
+          <a:srcRect/>
+          <a:stretch>
+            <a:fillRect/>
+          </a:stretch>
+        </p:blipFill>
+        <p:spPr bwMode="auto">
+          <a:xfrm>
+            <a:off x="0" y="3960560"/>
+            <a:ext cx="3291840" cy="2467899"/>
+          </a:xfrm>
+          <a:prstGeom prst="rect">
+            <a:avLst/>
+          </a:prstGeom>
+          <a:noFill/>
+          <a:ln>
+            <a:noFill/>
+          </a:ln>
+          <a:effectLst/>
+          <a:extLst>
+            <a:ext uri="{909E8E84-426E-40DD-AFC4-6F175D3DCCD1}">
+              <a14:hiddenFill xmlns:a14="http://schemas.microsoft.com/office/drawing/2010/main">
+                <a:solidFill>
+                  <a:schemeClr val="accent1"/>
+                </a:solidFill>
+              </a14:hiddenFill>
+            </a:ext>
+            <a:ext uri="{91240B29-F687-4F45-9708-019B960494DF}">
+              <a14:hiddenLine xmlns:a14="http://schemas.microsoft.com/office/drawing/2010/main" w="9525">
+                <a:solidFill>
+                  <a:schemeClr val="tx1"/>
+                </a:solidFill>
+                <a:miter lim="800000"/>
+                <a:headEnd/>
+                <a:tailEnd/>
+              </a14:hiddenLine>
+            </a:ext>
+            <a:ext uri="{AF507438-7753-43E0-B8FC-AC1667EBCBE1}">
+              <a14:hiddenEffects xmlns:a14="http://schemas.microsoft.com/office/drawing/2010/main">
+                <a:effectLst>
+                  <a:outerShdw dist="35921" dir="2700000" algn="ctr" rotWithShape="0">
+                    <a:schemeClr val="bg2"/>
+                  </a:outerShdw>
+                </a:effectLst>
+              </a14:hiddenEffects>
+            </a:ext>
+          </a:extLst>
+        </p:spPr>
+      </p:pic>
+      <p:pic>
+        <p:nvPicPr>
+          <p:cNvPr id="6" name="Picture 3"/>
+          <p:cNvPicPr>
+            <a:picLocks noChangeAspect="1" noChangeArrowheads="1"/>
+          </p:cNvPicPr>
+          <p:nvPr/>
+        </p:nvPicPr>
+        <p:blipFill>
+          <a:blip r:embed="rId6" cstate="print">
+            <a:extLst>
+              <a:ext uri="{28A0092B-C50C-407E-A947-70E740481C1C}">
+                <a14:useLocalDpi xmlns:a14="http://schemas.microsoft.com/office/drawing/2010/main" val="0"/>
+              </a:ext>
+            </a:extLst>
+          </a:blip>
+          <a:srcRect/>
+          <a:stretch>
+            <a:fillRect/>
+          </a:stretch>
+        </p:blipFill>
+        <p:spPr bwMode="auto">
+          <a:xfrm>
+            <a:off x="2926080" y="3960560"/>
+            <a:ext cx="3291840" cy="2467899"/>
+          </a:xfrm>
+          <a:prstGeom prst="rect">
+            <a:avLst/>
+          </a:prstGeom>
+          <a:noFill/>
+          <a:ln>
+            <a:noFill/>
+          </a:ln>
+          <a:effectLst/>
+          <a:extLst>
+            <a:ext uri="{909E8E84-426E-40DD-AFC4-6F175D3DCCD1}">
+              <a14:hiddenFill xmlns:a14="http://schemas.microsoft.com/office/drawing/2010/main">
+                <a:solidFill>
+                  <a:schemeClr val="accent1"/>
+                </a:solidFill>
+              </a14:hiddenFill>
+            </a:ext>
+            <a:ext uri="{91240B29-F687-4F45-9708-019B960494DF}">
+              <a14:hiddenLine xmlns:a14="http://schemas.microsoft.com/office/drawing/2010/main" w="9525">
+                <a:solidFill>
+                  <a:schemeClr val="tx1"/>
+                </a:solidFill>
+                <a:miter lim="800000"/>
+                <a:headEnd/>
+                <a:tailEnd/>
+              </a14:hiddenLine>
+            </a:ext>
+            <a:ext uri="{AF507438-7753-43E0-B8FC-AC1667EBCBE1}">
+              <a14:hiddenEffects xmlns:a14="http://schemas.microsoft.com/office/drawing/2010/main">
+                <a:effectLst>
+                  <a:outerShdw dist="35921" dir="2700000" algn="ctr" rotWithShape="0">
+                    <a:schemeClr val="bg2"/>
+                  </a:outerShdw>
+                </a:effectLst>
+              </a14:hiddenEffects>
+            </a:ext>
+          </a:extLst>
+        </p:spPr>
+      </p:pic>
+      <p:pic>
+        <p:nvPicPr>
+          <p:cNvPr id="7" name="Picture 2"/>
+          <p:cNvPicPr>
+            <a:picLocks noChangeAspect="1" noChangeArrowheads="1"/>
+          </p:cNvPicPr>
+          <p:nvPr/>
+        </p:nvPicPr>
+        <p:blipFill>
+          <a:blip r:embed="rId7" cstate="print">
+            <a:extLst>
+              <a:ext uri="{28A0092B-C50C-407E-A947-70E740481C1C}">
+                <a14:useLocalDpi xmlns:a14="http://schemas.microsoft.com/office/drawing/2010/main" val="0"/>
+              </a:ext>
+            </a:extLst>
+          </a:blip>
+          <a:srcRect/>
+          <a:stretch>
+            <a:fillRect/>
+          </a:stretch>
+        </p:blipFill>
+        <p:spPr bwMode="auto">
+          <a:xfrm>
+            <a:off x="5852160" y="3960560"/>
+            <a:ext cx="3291840" cy="2467899"/>
+          </a:xfrm>
+          <a:prstGeom prst="rect">
+            <a:avLst/>
+          </a:prstGeom>
+          <a:noFill/>
+          <a:ln>
+            <a:noFill/>
+          </a:ln>
+          <a:effectLst/>
+          <a:extLst>
+            <a:ext uri="{909E8E84-426E-40DD-AFC4-6F175D3DCCD1}">
+              <a14:hiddenFill xmlns:a14="http://schemas.microsoft.com/office/drawing/2010/main">
+                <a:solidFill>
+                  <a:schemeClr val="accent1"/>
+                </a:solidFill>
+              </a14:hiddenFill>
+            </a:ext>
+            <a:ext uri="{91240B29-F687-4F45-9708-019B960494DF}">
+              <a14:hiddenLine xmlns:a14="http://schemas.microsoft.com/office/drawing/2010/main" w="9525">
+                <a:solidFill>
+                  <a:schemeClr val="tx1"/>
+                </a:solidFill>
+                <a:miter lim="800000"/>
+                <a:headEnd/>
+                <a:tailEnd/>
+              </a14:hiddenLine>
+            </a:ext>
+            <a:ext uri="{AF507438-7753-43E0-B8FC-AC1667EBCBE1}">
+              <a14:hiddenEffects xmlns:a14="http://schemas.microsoft.com/office/drawing/2010/main">
+                <a:effectLst>
+                  <a:outerShdw dist="35921" dir="2700000" algn="ctr" rotWithShape="0">
+                    <a:schemeClr val="bg2"/>
+                  </a:outerShdw>
+                </a:effectLst>
+              </a14:hiddenEffects>
+            </a:ext>
+          </a:extLst>
+        </p:spPr>
+      </p:pic>
+    </p:spTree>
+    <p:extLst>
+      <p:ext uri="{BB962C8B-B14F-4D97-AF65-F5344CB8AC3E}">
+        <p14:creationId xmlns:p14="http://schemas.microsoft.com/office/powerpoint/2010/main" val="3179329786"/>
+      </p:ext>
+    </p:extLst>
+  </p:cSld>
+  <p:clrMapOvr>
+    <a:masterClrMapping/>
+  </p:clrMapOvr>
+</p:sld>
+</file>
+
+<file path=ppt/slides/slide8.xml><?xml version="1.0" encoding="utf-8"?>
+<p:sld xmlns:a="http://schemas.openxmlformats.org/drawingml/2006/main" xmlns:r="http://schemas.openxmlformats.org/officeDocument/2006/relationships" xmlns:p="http://schemas.openxmlformats.org/presentationml/2006/main">
+  <p:cSld>
+    <p:spTree>
+      <p:nvGrpSpPr>
+        <p:cNvPr id="1" name=""/>
+        <p:cNvGrpSpPr/>
+        <p:nvPr/>
+      </p:nvGrpSpPr>
+      <p:grpSpPr>
+        <a:xfrm>
+          <a:off x="0" y="0"/>
+          <a:ext cx="0" cy="0"/>
+          <a:chOff x="0" y="0"/>
+          <a:chExt cx="0" cy="0"/>
+        </a:xfrm>
+      </p:grpSpPr>
+      <p:pic>
+        <p:nvPicPr>
+          <p:cNvPr id="1026" name="Picture 2"/>
+          <p:cNvPicPr>
+            <a:picLocks noChangeAspect="1" noChangeArrowheads="1"/>
+          </p:cNvPicPr>
+          <p:nvPr/>
+        </p:nvPicPr>
+        <p:blipFill>
+          <a:blip r:embed="rId2" cstate="print">
+            <a:extLst>
+              <a:ext uri="{28A0092B-C50C-407E-A947-70E740481C1C}">
+                <a14:useLocalDpi xmlns:a14="http://schemas.microsoft.com/office/drawing/2010/main" val="0"/>
+              </a:ext>
+            </a:extLst>
+          </a:blip>
+          <a:srcRect/>
+          <a:stretch>
+            <a:fillRect/>
+          </a:stretch>
+        </p:blipFill>
+        <p:spPr bwMode="auto">
+          <a:xfrm>
+            <a:off x="2926080" y="3505200"/>
+            <a:ext cx="3291840" cy="2467899"/>
+          </a:xfrm>
+          <a:prstGeom prst="rect">
+            <a:avLst/>
+          </a:prstGeom>
+          <a:noFill/>
+          <a:ln>
+            <a:noFill/>
+          </a:ln>
+          <a:effectLst/>
+          <a:extLst>
+            <a:ext uri="{909E8E84-426E-40DD-AFC4-6F175D3DCCD1}">
+              <a14:hiddenFill xmlns:a14="http://schemas.microsoft.com/office/drawing/2010/main">
+                <a:solidFill>
+                  <a:schemeClr val="accent1"/>
+                </a:solidFill>
+              </a14:hiddenFill>
+            </a:ext>
+            <a:ext uri="{91240B29-F687-4F45-9708-019B960494DF}">
+              <a14:hiddenLine xmlns:a14="http://schemas.microsoft.com/office/drawing/2010/main" w="9525">
+                <a:solidFill>
+                  <a:schemeClr val="tx1"/>
+                </a:solidFill>
+                <a:miter lim="800000"/>
+                <a:headEnd/>
+                <a:tailEnd/>
+              </a14:hiddenLine>
+            </a:ext>
+            <a:ext uri="{AF507438-7753-43E0-B8FC-AC1667EBCBE1}">
+              <a14:hiddenEffects xmlns:a14="http://schemas.microsoft.com/office/drawing/2010/main">
+                <a:effectLst>
+                  <a:outerShdw dist="35921" dir="2700000" algn="ctr" rotWithShape="0">
+                    <a:schemeClr val="bg2"/>
+                  </a:outerShdw>
+                </a:effectLst>
+              </a14:hiddenEffects>
+            </a:ext>
+          </a:extLst>
+        </p:spPr>
+      </p:pic>
+      <p:pic>
+        <p:nvPicPr>
+          <p:cNvPr id="1027" name="Picture 3"/>
+          <p:cNvPicPr>
+            <a:picLocks noChangeAspect="1" noChangeArrowheads="1"/>
+          </p:cNvPicPr>
+          <p:nvPr/>
+        </p:nvPicPr>
+        <p:blipFill>
+          <a:blip r:embed="rId3" cstate="print">
+            <a:extLst>
+              <a:ext uri="{28A0092B-C50C-407E-A947-70E740481C1C}">
+                <a14:useLocalDpi xmlns:a14="http://schemas.microsoft.com/office/drawing/2010/main" val="0"/>
+              </a:ext>
+            </a:extLst>
+          </a:blip>
+          <a:srcRect/>
+          <a:stretch>
+            <a:fillRect/>
+          </a:stretch>
+        </p:blipFill>
+        <p:spPr bwMode="auto">
+          <a:xfrm>
+            <a:off x="0" y="3505200"/>
+            <a:ext cx="3291840" cy="2467899"/>
+          </a:xfrm>
+          <a:prstGeom prst="rect">
+            <a:avLst/>
+          </a:prstGeom>
+          <a:noFill/>
+          <a:ln>
+            <a:noFill/>
+          </a:ln>
+          <a:effectLst/>
+          <a:extLst>
+            <a:ext uri="{909E8E84-426E-40DD-AFC4-6F175D3DCCD1}">
+              <a14:hiddenFill xmlns:a14="http://schemas.microsoft.com/office/drawing/2010/main">
+                <a:solidFill>
+                  <a:schemeClr val="accent1"/>
+                </a:solidFill>
+              </a14:hiddenFill>
+            </a:ext>
+            <a:ext uri="{91240B29-F687-4F45-9708-019B960494DF}">
+              <a14:hiddenLine xmlns:a14="http://schemas.microsoft.com/office/drawing/2010/main" w="9525">
+                <a:solidFill>
+                  <a:schemeClr val="tx1"/>
+                </a:solidFill>
+                <a:miter lim="800000"/>
+                <a:headEnd/>
+                <a:tailEnd/>
+              </a14:hiddenLine>
+            </a:ext>
+            <a:ext uri="{AF507438-7753-43E0-B8FC-AC1667EBCBE1}">
+              <a14:hiddenEffects xmlns:a14="http://schemas.microsoft.com/office/drawing/2010/main">
+                <a:effectLst>
+                  <a:outerShdw dist="35921" dir="2700000" algn="ctr" rotWithShape="0">
+                    <a:schemeClr val="bg2"/>
+                  </a:outerShdw>
+                </a:effectLst>
+              </a14:hiddenEffects>
+            </a:ext>
+          </a:extLst>
+        </p:spPr>
+      </p:pic>
+      <p:pic>
+        <p:nvPicPr>
+          <p:cNvPr id="1028" name="Picture 4"/>
+          <p:cNvPicPr>
+            <a:picLocks noChangeAspect="1" noChangeArrowheads="1"/>
+          </p:cNvPicPr>
+          <p:nvPr/>
+        </p:nvPicPr>
+        <p:blipFill>
+          <a:blip r:embed="rId4" cstate="print">
+            <a:extLst>
+              <a:ext uri="{28A0092B-C50C-407E-A947-70E740481C1C}">
+                <a14:useLocalDpi xmlns:a14="http://schemas.microsoft.com/office/drawing/2010/main" val="0"/>
+              </a:ext>
+            </a:extLst>
+          </a:blip>
+          <a:srcRect/>
+          <a:stretch>
+            <a:fillRect/>
+          </a:stretch>
+        </p:blipFill>
+        <p:spPr bwMode="auto">
+          <a:xfrm>
+            <a:off x="5852160" y="571500"/>
+            <a:ext cx="3291840" cy="2467899"/>
+          </a:xfrm>
+          <a:prstGeom prst="rect">
+            <a:avLst/>
+          </a:prstGeom>
+          <a:noFill/>
+          <a:ln>
+            <a:noFill/>
+          </a:ln>
+          <a:effectLst/>
+          <a:extLst>
+            <a:ext uri="{909E8E84-426E-40DD-AFC4-6F175D3DCCD1}">
+              <a14:hiddenFill xmlns:a14="http://schemas.microsoft.com/office/drawing/2010/main">
+                <a:solidFill>
+                  <a:schemeClr val="accent1"/>
+                </a:solidFill>
+              </a14:hiddenFill>
+            </a:ext>
+            <a:ext uri="{91240B29-F687-4F45-9708-019B960494DF}">
+              <a14:hiddenLine xmlns:a14="http://schemas.microsoft.com/office/drawing/2010/main" w="9525">
+                <a:solidFill>
+                  <a:schemeClr val="tx1"/>
+                </a:solidFill>
+                <a:miter lim="800000"/>
+                <a:headEnd/>
+                <a:tailEnd/>
+              </a14:hiddenLine>
+            </a:ext>
+            <a:ext uri="{AF507438-7753-43E0-B8FC-AC1667EBCBE1}">
+              <a14:hiddenEffects xmlns:a14="http://schemas.microsoft.com/office/drawing/2010/main">
+                <a:effectLst>
+                  <a:outerShdw dist="35921" dir="2700000" algn="ctr" rotWithShape="0">
+                    <a:schemeClr val="bg2"/>
+                  </a:outerShdw>
+                </a:effectLst>
+              </a14:hiddenEffects>
+            </a:ext>
+          </a:extLst>
+        </p:spPr>
+      </p:pic>
+      <p:pic>
+        <p:nvPicPr>
+          <p:cNvPr id="1029" name="Picture 5"/>
+          <p:cNvPicPr>
+            <a:picLocks noChangeAspect="1" noChangeArrowheads="1"/>
+          </p:cNvPicPr>
+          <p:nvPr/>
+        </p:nvPicPr>
+        <p:blipFill>
+          <a:blip r:embed="rId5" cstate="print">
+            <a:extLst>
+              <a:ext uri="{28A0092B-C50C-407E-A947-70E740481C1C}">
+                <a14:useLocalDpi xmlns:a14="http://schemas.microsoft.com/office/drawing/2010/main" val="0"/>
+              </a:ext>
+            </a:extLst>
+          </a:blip>
+          <a:srcRect/>
+          <a:stretch>
+            <a:fillRect/>
+          </a:stretch>
+        </p:blipFill>
+        <p:spPr bwMode="auto">
+          <a:xfrm>
+            <a:off x="2926080" y="571500"/>
+            <a:ext cx="3291840" cy="2467899"/>
+          </a:xfrm>
+          <a:prstGeom prst="rect">
+            <a:avLst/>
+          </a:prstGeom>
+          <a:noFill/>
+          <a:ln>
+            <a:noFill/>
+          </a:ln>
+          <a:effectLst/>
+          <a:extLst>
+            <a:ext uri="{909E8E84-426E-40DD-AFC4-6F175D3DCCD1}">
+              <a14:hiddenFill xmlns:a14="http://schemas.microsoft.com/office/drawing/2010/main">
+                <a:solidFill>
+                  <a:schemeClr val="accent1"/>
+                </a:solidFill>
+              </a14:hiddenFill>
+            </a:ext>
+            <a:ext uri="{91240B29-F687-4F45-9708-019B960494DF}">
+              <a14:hiddenLine xmlns:a14="http://schemas.microsoft.com/office/drawing/2010/main" w="9525">
+                <a:solidFill>
+                  <a:schemeClr val="tx1"/>
+                </a:solidFill>
+                <a:miter lim="800000"/>
+                <a:headEnd/>
+                <a:tailEnd/>
+              </a14:hiddenLine>
+            </a:ext>
+            <a:ext uri="{AF507438-7753-43E0-B8FC-AC1667EBCBE1}">
+              <a14:hiddenEffects xmlns:a14="http://schemas.microsoft.com/office/drawing/2010/main">
+                <a:effectLst>
+                  <a:outerShdw dist="35921" dir="2700000" algn="ctr" rotWithShape="0">
+                    <a:schemeClr val="bg2"/>
+                  </a:outerShdw>
+                </a:effectLst>
+              </a14:hiddenEffects>
+            </a:ext>
+          </a:extLst>
+        </p:spPr>
+      </p:pic>
+      <p:pic>
+        <p:nvPicPr>
+          <p:cNvPr id="1030" name="Picture 6"/>
+          <p:cNvPicPr>
+            <a:picLocks noChangeAspect="1" noChangeArrowheads="1"/>
+          </p:cNvPicPr>
+          <p:nvPr/>
+        </p:nvPicPr>
+        <p:blipFill>
+          <a:blip r:embed="rId6" cstate="print">
+            <a:extLst>
+              <a:ext uri="{28A0092B-C50C-407E-A947-70E740481C1C}">
+                <a14:useLocalDpi xmlns:a14="http://schemas.microsoft.com/office/drawing/2010/main" val="0"/>
+              </a:ext>
+            </a:extLst>
+          </a:blip>
+          <a:srcRect/>
+          <a:stretch>
+            <a:fillRect/>
+          </a:stretch>
+        </p:blipFill>
+        <p:spPr bwMode="auto">
+          <a:xfrm>
+            <a:off x="0" y="571500"/>
+            <a:ext cx="3291840" cy="2467899"/>
+          </a:xfrm>
+          <a:prstGeom prst="rect">
+            <a:avLst/>
+          </a:prstGeom>
+          <a:noFill/>
+          <a:ln>
+            <a:noFill/>
+          </a:ln>
+          <a:effectLst/>
+          <a:extLst>
+            <a:ext uri="{909E8E84-426E-40DD-AFC4-6F175D3DCCD1}">
+              <a14:hiddenFill xmlns:a14="http://schemas.microsoft.com/office/drawing/2010/main">
+                <a:solidFill>
+                  <a:schemeClr val="accent1"/>
+                </a:solidFill>
+              </a14:hiddenFill>
+            </a:ext>
+            <a:ext uri="{91240B29-F687-4F45-9708-019B960494DF}">
+              <a14:hiddenLine xmlns:a14="http://schemas.microsoft.com/office/drawing/2010/main" w="9525">
+                <a:solidFill>
+                  <a:schemeClr val="tx1"/>
+                </a:solidFill>
+                <a:miter lim="800000"/>
+                <a:headEnd/>
+                <a:tailEnd/>
+              </a14:hiddenLine>
+            </a:ext>
+            <a:ext uri="{AF507438-7753-43E0-B8FC-AC1667EBCBE1}">
+              <a14:hiddenEffects xmlns:a14="http://schemas.microsoft.com/office/drawing/2010/main">
+                <a:effectLst>
+                  <a:outerShdw dist="35921" dir="2700000" algn="ctr" rotWithShape="0">
+                    <a:schemeClr val="bg2"/>
+                  </a:outerShdw>
+                </a:effectLst>
+              </a14:hiddenEffects>
+            </a:ext>
+          </a:extLst>
+        </p:spPr>
+      </p:pic>
+      <p:pic>
+        <p:nvPicPr>
+          <p:cNvPr id="1031" name="Picture 7"/>
+          <p:cNvPicPr>
+            <a:picLocks noChangeAspect="1" noChangeArrowheads="1"/>
+          </p:cNvPicPr>
+          <p:nvPr/>
+        </p:nvPicPr>
+        <p:blipFill>
+          <a:blip r:embed="rId7" cstate="print">
+            <a:extLst>
+              <a:ext uri="{28A0092B-C50C-407E-A947-70E740481C1C}">
+                <a14:useLocalDpi xmlns:a14="http://schemas.microsoft.com/office/drawing/2010/main" val="0"/>
+              </a:ext>
+            </a:extLst>
+          </a:blip>
+          <a:srcRect/>
+          <a:stretch>
+            <a:fillRect/>
+          </a:stretch>
+        </p:blipFill>
+        <p:spPr bwMode="auto">
+          <a:xfrm>
+            <a:off x="5852160" y="3505200"/>
+            <a:ext cx="3291840" cy="2467899"/>
+          </a:xfrm>
+          <a:prstGeom prst="rect">
+            <a:avLst/>
+          </a:prstGeom>
+          <a:noFill/>
+          <a:ln>
+            <a:noFill/>
+          </a:ln>
+          <a:effectLst/>
+          <a:extLst>
+            <a:ext uri="{909E8E84-426E-40DD-AFC4-6F175D3DCCD1}">
+              <a14:hiddenFill xmlns:a14="http://schemas.microsoft.com/office/drawing/2010/main">
+                <a:solidFill>
+                  <a:schemeClr val="accent1"/>
+                </a:solidFill>
+              </a14:hiddenFill>
+            </a:ext>
+            <a:ext uri="{91240B29-F687-4F45-9708-019B960494DF}">
+              <a14:hiddenLine xmlns:a14="http://schemas.microsoft.com/office/drawing/2010/main" w="9525">
+                <a:solidFill>
+                  <a:schemeClr val="tx1"/>
+                </a:solidFill>
+                <a:miter lim="800000"/>
+                <a:headEnd/>
+                <a:tailEnd/>
+              </a14:hiddenLine>
+            </a:ext>
+            <a:ext uri="{AF507438-7753-43E0-B8FC-AC1667EBCBE1}">
+              <a14:hiddenEffects xmlns:a14="http://schemas.microsoft.com/office/drawing/2010/main">
+                <a:effectLst>
+                  <a:outerShdw dist="35921" dir="2700000" algn="ctr" rotWithShape="0">
+                    <a:schemeClr val="bg2"/>
+                  </a:outerShdw>
+                </a:effectLst>
+              </a14:hiddenEffects>
+            </a:ext>
+          </a:extLst>
+        </p:spPr>
+      </p:pic>
+    </p:spTree>
+    <p:extLst>
+      <p:ext uri="{BB962C8B-B14F-4D97-AF65-F5344CB8AC3E}">
+        <p14:creationId xmlns:p14="http://schemas.microsoft.com/office/powerpoint/2010/main" val="3179329786"/>
+      </p:ext>
+    </p:extLst>
+  </p:cSld>
+  <p:clrMapOvr>
+    <a:masterClrMapping/>
+  </p:clrMapOvr>
+</p:sld>
+</file>
+
+<file path=ppt/slides/slide9.xml><?xml version="1.0" encoding="utf-8"?>
+<p:sld xmlns:a="http://schemas.openxmlformats.org/drawingml/2006/main" xmlns:r="http://schemas.openxmlformats.org/officeDocument/2006/relationships" xmlns:p="http://schemas.openxmlformats.org/presentationml/2006/main">
+  <p:cSld>
+    <p:spTree>
+      <p:nvGrpSpPr>
+        <p:cNvPr id="1" name=""/>
+        <p:cNvGrpSpPr/>
+        <p:nvPr/>
+      </p:nvGrpSpPr>
+      <p:grpSpPr>
+        <a:xfrm>
+          <a:off x="0" y="0"/>
+          <a:ext cx="0" cy="0"/>
+          <a:chOff x="0" y="0"/>
+          <a:chExt cx="0" cy="0"/>
+        </a:xfrm>
+      </p:grpSpPr>
+    </p:spTree>
+    <p:extLst>
+      <p:ext uri="{BB962C8B-B14F-4D97-AF65-F5344CB8AC3E}">
+        <p14:creationId xmlns:p14="http://schemas.microsoft.com/office/powerpoint/2010/main" val="3179329786"/>
       </p:ext>
     </p:extLst>
   </p:cSld>
